--- a/Clases/Javascript/Slides/Javascript.pptx
+++ b/Clases/Javascript/Slides/Javascript.pptx
@@ -12518,14 +12518,7 @@
                 <a:latin typeface="Consolas" panose="020B0609020204030204" pitchFamily="49" charset="0"/>
                 <a:cs typeface="Consolas" panose="020B0609020204030204" pitchFamily="49" charset="0"/>
               </a:rPr>
-              <a:t> = [1,2,3</a:t>
-            </a:r>
-            <a:r>
-              <a:rPr lang="en-US" dirty="0" smtClean="0">
-                <a:latin typeface="Consolas" panose="020B0609020204030204" pitchFamily="49" charset="0"/>
-                <a:cs typeface="Consolas" panose="020B0609020204030204" pitchFamily="49" charset="0"/>
-              </a:rPr>
-              <a:t>]</a:t>
+              <a:t> = [1,2,3]</a:t>
             </a:r>
           </a:p>
           <a:p>
@@ -12579,17 +12572,7 @@
                 <a:latin typeface="Consolas" panose="020B0609020204030204" pitchFamily="49" charset="0"/>
                 <a:cs typeface="Consolas" panose="020B0609020204030204" pitchFamily="49" charset="0"/>
               </a:rPr>
-              <a:t>a</a:t>
-            </a:r>
-            <a:r>
-              <a:rPr lang="en-US" dirty="0" err="1" smtClean="0">
-                <a:solidFill>
-                  <a:schemeClr val="tx1"/>
-                </a:solidFill>
-                <a:latin typeface="Consolas" panose="020B0609020204030204" pitchFamily="49" charset="0"/>
-                <a:cs typeface="Consolas" panose="020B0609020204030204" pitchFamily="49" charset="0"/>
-              </a:rPr>
-              <a:t>rr</a:t>
+              <a:t>arr</a:t>
             </a:r>
             <a:r>
               <a:rPr lang="en-US" dirty="0" smtClean="0">
@@ -12722,7 +12705,17 @@
                 <a:latin typeface="Consolas" panose="020B0609020204030204" pitchFamily="49" charset="0"/>
                 <a:cs typeface="Consolas" panose="020B0609020204030204" pitchFamily="49" charset="0"/>
               </a:rPr>
-              <a:t>// </a:t>
+              <a:t>// [1,2,3,undefined, undefined, “mi </a:t>
+            </a:r>
+            <a:r>
+              <a:rPr lang="en-US" dirty="0" err="1">
+                <a:solidFill>
+                  <a:srgbClr val="7030A0"/>
+                </a:solidFill>
+                <a:latin typeface="Consolas" panose="020B0609020204030204" pitchFamily="49" charset="0"/>
+                <a:cs typeface="Consolas" panose="020B0609020204030204" pitchFamily="49" charset="0"/>
+              </a:rPr>
+              <a:t>texto</a:t>
             </a:r>
             <a:r>
               <a:rPr lang="en-US" dirty="0">
@@ -12732,35 +12725,8 @@
                 <a:latin typeface="Consolas" panose="020B0609020204030204" pitchFamily="49" charset="0"/>
                 <a:cs typeface="Consolas" panose="020B0609020204030204" pitchFamily="49" charset="0"/>
               </a:rPr>
-              <a:t>[1,2,3,undefined, undefined, “mi </a:t>
-            </a:r>
-            <a:r>
-              <a:rPr lang="en-US" dirty="0" err="1">
-                <a:solidFill>
-                  <a:srgbClr val="7030A0"/>
-                </a:solidFill>
-                <a:latin typeface="Consolas" panose="020B0609020204030204" pitchFamily="49" charset="0"/>
-                <a:cs typeface="Consolas" panose="020B0609020204030204" pitchFamily="49" charset="0"/>
-              </a:rPr>
-              <a:t>texto</a:t>
-            </a:r>
-            <a:r>
-              <a:rPr lang="en-US" dirty="0">
-                <a:solidFill>
-                  <a:srgbClr val="7030A0"/>
-                </a:solidFill>
-                <a:latin typeface="Consolas" panose="020B0609020204030204" pitchFamily="49" charset="0"/>
-                <a:cs typeface="Consolas" panose="020B0609020204030204" pitchFamily="49" charset="0"/>
-              </a:rPr>
               <a:t>”]</a:t>
             </a:r>
-            <a:endParaRPr lang="en-US" dirty="0">
-              <a:solidFill>
-                <a:srgbClr val="7030A0"/>
-              </a:solidFill>
-              <a:latin typeface="Consolas" panose="020B0609020204030204" pitchFamily="49" charset="0"/>
-              <a:cs typeface="Consolas" panose="020B0609020204030204" pitchFamily="49" charset="0"/>
-            </a:endParaRPr>
           </a:p>
           <a:p>
             <a:pPr marL="984250" lvl="2" indent="0">
@@ -17569,11 +17535,7 @@
             </a:pPr>
             <a:r>
               <a:rPr lang="es-AR" dirty="0" smtClean="0"/>
-              <a:t>Buenas </a:t>
-            </a:r>
-            <a:r>
-              <a:rPr lang="es-AR" dirty="0" smtClean="0"/>
-              <a:t>Prácticas</a:t>
+              <a:t>Buenas Prácticas</a:t>
             </a:r>
             <a:endParaRPr lang="es-AR" sz="3600" b="0" i="0" u="none" strike="noStrike" cap="small" baseline="0" dirty="0">
               <a:solidFill>
@@ -18500,11 +18462,7 @@
             </a:pPr>
             <a:r>
               <a:rPr lang="es-AR" dirty="0" smtClean="0"/>
-              <a:t>Introducción </a:t>
-            </a:r>
-            <a:r>
-              <a:rPr lang="es-AR" dirty="0" smtClean="0"/>
-              <a:t>a DOM</a:t>
+              <a:t>Introducción a DOM</a:t>
             </a:r>
             <a:endParaRPr lang="es-AR" sz="3600" b="0" i="0" u="none" strike="noStrike" cap="small" baseline="0" dirty="0">
               <a:solidFill>
@@ -19644,11 +19602,7 @@
             </a:pPr>
             <a:r>
               <a:rPr lang="es-AR" dirty="0" smtClean="0"/>
-              <a:t>Introducción </a:t>
-            </a:r>
-            <a:r>
-              <a:rPr lang="es-AR" dirty="0" smtClean="0"/>
-              <a:t>a DOM</a:t>
+              <a:t>Introducción a DOM</a:t>
             </a:r>
             <a:endParaRPr lang="es-AR" sz="3600" b="0" i="0" u="none" strike="noStrike" cap="small" baseline="0" dirty="0">
               <a:solidFill>
@@ -19777,11 +19731,7 @@
             </a:pPr>
             <a:r>
               <a:rPr lang="es-AR" dirty="0" smtClean="0"/>
-              <a:t>Ejemplo </a:t>
-            </a:r>
-            <a:r>
-              <a:rPr lang="es-AR" dirty="0" smtClean="0"/>
-              <a:t>práctico</a:t>
+              <a:t>Ejemplo práctico</a:t>
             </a:r>
             <a:endParaRPr lang="es-AR" sz="3600" b="0" i="0" u="none" strike="noStrike" cap="small" baseline="0" dirty="0">
               <a:solidFill>
@@ -20528,6 +20478,76 @@
                 </a:solidFill>
                 <a:sym typeface="Arial"/>
               </a:rPr>
+              <a:t>Trabajar en</a:t>
+            </a:r>
+            <a:r>
+              <a:rPr lang="es-AR" sz="2000" b="0" i="0" u="none" strike="noStrike" cap="none" dirty="0" smtClean="0">
+                <a:solidFill>
+                  <a:schemeClr val="dk1"/>
+                </a:solidFill>
+                <a:sym typeface="Arial"/>
+              </a:rPr>
+              <a:t> grupos de 2 (</a:t>
+            </a:r>
+            <a:r>
+              <a:rPr lang="es-AR" sz="2000" b="0" i="0" u="none" strike="noStrike" cap="none" dirty="0" err="1" smtClean="0">
+                <a:solidFill>
+                  <a:schemeClr val="dk1"/>
+                </a:solidFill>
+                <a:sym typeface="Arial"/>
+              </a:rPr>
+              <a:t>Pair</a:t>
+            </a:r>
+            <a:r>
+              <a:rPr lang="es-AR" sz="2000" b="0" i="0" u="none" strike="noStrike" cap="none" dirty="0" smtClean="0">
+                <a:solidFill>
+                  <a:schemeClr val="dk1"/>
+                </a:solidFill>
+                <a:sym typeface="Arial"/>
+              </a:rPr>
+              <a:t> </a:t>
+            </a:r>
+            <a:r>
+              <a:rPr lang="es-AR" sz="2000" b="0" i="0" u="none" strike="noStrike" cap="none" dirty="0" err="1" smtClean="0">
+                <a:solidFill>
+                  <a:schemeClr val="dk1"/>
+                </a:solidFill>
+                <a:sym typeface="Arial"/>
+              </a:rPr>
+              <a:t>Programming</a:t>
+            </a:r>
+            <a:r>
+              <a:rPr lang="es-AR" sz="2000" b="0" i="0" u="none" strike="noStrike" cap="none" dirty="0" smtClean="0">
+                <a:solidFill>
+                  <a:schemeClr val="dk1"/>
+                </a:solidFill>
+                <a:sym typeface="Arial"/>
+              </a:rPr>
+              <a:t>)</a:t>
+            </a:r>
+            <a:endParaRPr lang="es-AR" sz="2000" b="0" i="0" u="none" strike="noStrike" cap="none" baseline="0" dirty="0" smtClean="0">
+              <a:solidFill>
+                <a:schemeClr val="dk1"/>
+              </a:solidFill>
+              <a:sym typeface="Arial"/>
+            </a:endParaRPr>
+          </a:p>
+          <a:p>
+            <a:pPr marL="342900" lvl="0" indent="-342900">
+              <a:buClr>
+                <a:schemeClr val="bg2"/>
+              </a:buClr>
+              <a:buSzPct val="110000"/>
+              <a:buFont typeface="Arial" panose="020B0604020202020204" pitchFamily="34" charset="0"/>
+              <a:buChar char="•"/>
+            </a:pPr>
+            <a:r>
+              <a:rPr lang="es-AR" sz="2000" b="0" i="0" u="none" strike="noStrike" cap="none" baseline="0" dirty="0" smtClean="0">
+                <a:solidFill>
+                  <a:schemeClr val="dk1"/>
+                </a:solidFill>
+                <a:sym typeface="Arial"/>
+              </a:rPr>
               <a:t>Sincronizarse</a:t>
             </a:r>
             <a:r>
@@ -20537,7 +20557,16 @@
                 </a:solidFill>
                 <a:sym typeface="Arial"/>
               </a:rPr>
-              <a:t> o Clonarse </a:t>
+              <a:t> </a:t>
+            </a:r>
+            <a:r>
+              <a:rPr lang="es-AR" sz="2000" b="0" i="0" u="none" strike="noStrike" cap="none" dirty="0" smtClean="0">
+                <a:solidFill>
+                  <a:schemeClr val="dk1"/>
+                </a:solidFill>
+                <a:sym typeface="Arial"/>
+              </a:rPr>
+              <a:t>o Clonarse </a:t>
             </a:r>
             <a:r>
               <a:rPr lang="es-AR" b="0" dirty="0"/>
@@ -20572,7 +20601,7 @@
                 </a:solidFill>
                 <a:sym typeface="Arial"/>
               </a:rPr>
-              <a:t>Ir a la carpeta Clases/</a:t>
+              <a:t>Copiar la carpeta Clases/</a:t>
             </a:r>
             <a:r>
               <a:rPr lang="es-AR" sz="2000" b="0" i="0" u="none" strike="noStrike" cap="none" baseline="0" dirty="0" err="1" smtClean="0">
@@ -20582,6 +20611,15 @@
                 <a:sym typeface="Arial"/>
               </a:rPr>
               <a:t>Javascript</a:t>
+            </a:r>
+            <a:r>
+              <a:rPr lang="es-AR" sz="2000" b="0" i="0" u="none" strike="noStrike" cap="none" baseline="0" dirty="0" smtClean="0">
+                <a:solidFill>
+                  <a:schemeClr val="dk1"/>
+                </a:solidFill>
+                <a:sym typeface="Arial"/>
+              </a:rPr>
+              <a:t>/Recursos/Ejercicio</a:t>
             </a:r>
             <a:endParaRPr lang="es-AR" sz="2000" b="0" i="0" u="none" strike="noStrike" cap="none" baseline="0" dirty="0" smtClean="0">
               <a:solidFill>
@@ -20616,7 +20654,23 @@
             </a:r>
             <a:r>
               <a:rPr lang="es-AR" b="0" dirty="0" smtClean="0"/>
-              <a:t>a con su nombre y apellido (dentro de </a:t>
+              <a:t>a con su </a:t>
+            </a:r>
+            <a:r>
+              <a:rPr lang="es-AR" b="0" dirty="0" smtClean="0"/>
+              <a:t>nombres </a:t>
+            </a:r>
+            <a:r>
+              <a:rPr lang="es-AR" b="0" dirty="0" smtClean="0"/>
+              <a:t>y </a:t>
+            </a:r>
+            <a:r>
+              <a:rPr lang="es-AR" b="0" dirty="0" smtClean="0"/>
+              <a:t>apellidos </a:t>
+            </a:r>
+            <a:r>
+              <a:rPr lang="es-AR" b="0" dirty="0" smtClean="0"/>
+              <a:t>(dentro de </a:t>
             </a:r>
             <a:r>
               <a:rPr lang="es-AR" b="0" dirty="0" err="1" smtClean="0"/>
@@ -20624,8 +20678,9 @@
             </a:r>
             <a:r>
               <a:rPr lang="es-AR" b="0" dirty="0" smtClean="0"/>
-              <a:t>)</a:t>
-            </a:r>
+              <a:t>/Alumnos) y copiar dentro la carpeta Ejercicio.</a:t>
+            </a:r>
+            <a:endParaRPr lang="es-AR" b="0" dirty="0" smtClean="0"/>
           </a:p>
           <a:p>
             <a:pPr marL="342900" marR="0" lvl="0" indent="-342900" algn="l" rtl="0">
@@ -20643,17 +20698,56 @@
               <a:buChar char="•"/>
             </a:pPr>
             <a:r>
-              <a:rPr lang="es-AR" b="0" dirty="0" smtClean="0"/>
-              <a:t>Copiar la carpeta </a:t>
-            </a:r>
-            <a:r>
-              <a:rPr lang="es-AR" b="0" dirty="0" err="1" smtClean="0"/>
-              <a:t>css</a:t>
-            </a:r>
-            <a:r>
-              <a:rPr lang="es-AR" b="0" dirty="0" smtClean="0"/>
-              <a:t> y el archivo index.html dentro de su carpeta.</a:t>
-            </a:r>
+              <a:rPr lang="es-AR" sz="2000" b="0" i="0" u="none" strike="noStrike" cap="none" baseline="0" dirty="0" smtClean="0">
+                <a:solidFill>
+                  <a:schemeClr val="dk1"/>
+                </a:solidFill>
+                <a:sym typeface="Arial"/>
+              </a:rPr>
+              <a:t>Utilizando </a:t>
+            </a:r>
+            <a:r>
+              <a:rPr lang="es-AR" sz="2000" b="0" i="0" u="none" strike="noStrike" cap="none" baseline="0" dirty="0" smtClean="0">
+                <a:solidFill>
+                  <a:schemeClr val="dk1"/>
+                </a:solidFill>
+                <a:sym typeface="Arial"/>
+              </a:rPr>
+              <a:t>lo visto en clases</a:t>
+            </a:r>
+            <a:r>
+              <a:rPr lang="es-AR" sz="2000" b="0" i="0" u="none" strike="noStrike" cap="none" dirty="0" smtClean="0">
+                <a:solidFill>
+                  <a:schemeClr val="dk1"/>
+                </a:solidFill>
+                <a:sym typeface="Arial"/>
+              </a:rPr>
+              <a:t> crear una función </a:t>
+            </a:r>
+            <a:r>
+              <a:rPr lang="es-AR" sz="2000" b="0" i="0" u="none" strike="noStrike" cap="none" dirty="0" err="1" smtClean="0">
+                <a:solidFill>
+                  <a:schemeClr val="dk1"/>
+                </a:solidFill>
+                <a:sym typeface="Arial"/>
+              </a:rPr>
+              <a:t>Javascript</a:t>
+            </a:r>
+            <a:r>
+              <a:rPr lang="es-AR" sz="2000" b="0" i="0" u="none" strike="noStrike" cap="none" dirty="0" smtClean="0">
+                <a:solidFill>
+                  <a:schemeClr val="dk1"/>
+                </a:solidFill>
+                <a:sym typeface="Arial"/>
+              </a:rPr>
+              <a:t> que oculte y muestre el div que contiene información</a:t>
+            </a:r>
+            <a:endParaRPr lang="es-AR" sz="2000" b="0" i="0" u="none" strike="noStrike" cap="none" baseline="0" dirty="0" smtClean="0">
+              <a:solidFill>
+                <a:schemeClr val="dk1"/>
+              </a:solidFill>
+              <a:sym typeface="Arial"/>
+            </a:endParaRPr>
           </a:p>
           <a:p>
             <a:pPr marL="342900" marR="0" lvl="0" indent="-342900" algn="l" rtl="0">
@@ -20677,34 +20771,16 @@
                 </a:solidFill>
                 <a:sym typeface="Arial"/>
               </a:rPr>
-              <a:t>Utilizando lo visto en clases</a:t>
-            </a:r>
-            <a:r>
-              <a:rPr lang="es-AR" sz="2000" b="0" i="0" u="none" strike="noStrike" cap="none" dirty="0" smtClean="0">
-                <a:solidFill>
-                  <a:schemeClr val="dk1"/>
-                </a:solidFill>
-                <a:sym typeface="Arial"/>
-              </a:rPr>
-              <a:t> crear una función </a:t>
-            </a:r>
-            <a:r>
-              <a:rPr lang="es-AR" sz="2000" b="0" i="0" u="none" strike="noStrike" cap="none" dirty="0" err="1" smtClean="0">
-                <a:solidFill>
-                  <a:schemeClr val="dk1"/>
-                </a:solidFill>
-                <a:sym typeface="Arial"/>
-              </a:rPr>
-              <a:t>Javascript</a:t>
-            </a:r>
-            <a:r>
-              <a:rPr lang="es-AR" sz="2000" b="0" i="0" u="none" strike="noStrike" cap="none" dirty="0" smtClean="0">
-                <a:solidFill>
-                  <a:schemeClr val="dk1"/>
-                </a:solidFill>
-                <a:sym typeface="Arial"/>
-              </a:rPr>
-              <a:t> que oculte y muestre el div que contiene información</a:t>
+              <a:t>Subir </a:t>
+            </a:r>
+            <a:r>
+              <a:rPr lang="es-AR" sz="2000" b="0" i="0" u="none" strike="noStrike" cap="none" baseline="0" smtClean="0">
+                <a:solidFill>
+                  <a:schemeClr val="dk1"/>
+                </a:solidFill>
+                <a:sym typeface="Arial"/>
+              </a:rPr>
+              <a:t>al repositorio</a:t>
             </a:r>
             <a:endParaRPr lang="es-AR" sz="2000" b="0" i="0" u="none" strike="noStrike" cap="none" baseline="0" dirty="0" smtClean="0">
               <a:solidFill>
@@ -20712,31 +20788,6 @@
               </a:solidFill>
               <a:sym typeface="Arial"/>
             </a:endParaRPr>
-          </a:p>
-          <a:p>
-            <a:pPr marL="342900" marR="0" lvl="0" indent="-342900" algn="l" rtl="0">
-              <a:spcBef>
-                <a:spcPts val="400"/>
-              </a:spcBef>
-              <a:spcAft>
-                <a:spcPts val="600"/>
-              </a:spcAft>
-              <a:buClr>
-                <a:schemeClr val="bg2"/>
-              </a:buClr>
-              <a:buSzPct val="110000"/>
-              <a:buFont typeface="Arial" panose="020B0604020202020204" pitchFamily="34" charset="0"/>
-              <a:buChar char="•"/>
-            </a:pPr>
-            <a:r>
-              <a:rPr lang="es-AR" sz="2000" b="0" i="0" u="none" strike="noStrike" cap="none" baseline="0" dirty="0" smtClean="0">
-                <a:solidFill>
-                  <a:schemeClr val="dk1"/>
-                </a:solidFill>
-                <a:sym typeface="Arial"/>
-              </a:rPr>
-              <a:t>Subir </a:t>
-            </a:r>
           </a:p>
           <a:p>
             <a:endParaRPr lang="es-AR" sz="2000" b="0" i="0" u="none" strike="noStrike" cap="none" baseline="0" dirty="0">
@@ -23138,13 +23189,8 @@
             </a:r>
             <a:r>
               <a:rPr lang="en-US" dirty="0" smtClean="0"/>
-              <a:t> </a:t>
-            </a:r>
-            <a:r>
-              <a:rPr lang="en-US" dirty="0" smtClean="0"/>
-              <a:t>(!=)</a:t>
-            </a:r>
-            <a:endParaRPr lang="en-US" dirty="0" smtClean="0"/>
+              <a:t> (!=)</a:t>
+            </a:r>
           </a:p>
           <a:p>
             <a:pPr marL="984250" lvl="2" indent="0">
@@ -23280,11 +23326,7 @@
             </a:r>
             <a:r>
               <a:rPr lang="en-US" dirty="0" smtClean="0"/>
-              <a:t> </a:t>
-            </a:r>
-            <a:r>
-              <a:rPr lang="en-US" dirty="0" smtClean="0"/>
-              <a:t>(!==)</a:t>
+              <a:t> (!==)</a:t>
             </a:r>
             <a:endParaRPr lang="en-US" dirty="0"/>
           </a:p>

--- a/Clases/Javascript/Slides/Javascript.pptx
+++ b/Clases/Javascript/Slides/Javascript.pptx
@@ -521,11 +521,53 @@
           <a:p>
             <a:r>
               <a:rPr lang="en-US" dirty="0" err="1" smtClean="0"/>
+              <a:t>Modalidad</a:t>
+            </a:r>
+            <a:r>
+              <a:rPr lang="en-US" dirty="0" smtClean="0"/>
+              <a:t> de la material:</a:t>
+            </a:r>
+          </a:p>
+          <a:p>
+            <a:r>
+              <a:rPr lang="en-US" dirty="0" smtClean="0"/>
+              <a:t>Repo</a:t>
+            </a:r>
+            <a:r>
+              <a:rPr lang="en-US" baseline="0" dirty="0" smtClean="0"/>
+              <a:t> de </a:t>
+            </a:r>
+            <a:r>
+              <a:rPr lang="en-US" baseline="0" dirty="0" err="1" smtClean="0"/>
+              <a:t>Git</a:t>
+            </a:r>
+            <a:endParaRPr lang="en-US" baseline="0" dirty="0" smtClean="0"/>
+          </a:p>
+          <a:p>
+            <a:r>
+              <a:rPr lang="en-US" baseline="0" dirty="0" err="1" smtClean="0"/>
+              <a:t>Distrubution</a:t>
+            </a:r>
+            <a:r>
+              <a:rPr lang="en-US" baseline="0" smtClean="0"/>
+              <a:t> List</a:t>
+            </a:r>
+          </a:p>
+          <a:p>
+            <a:endParaRPr lang="en-US" smtClean="0"/>
+          </a:p>
+          <a:p>
+            <a:r>
+              <a:rPr lang="en-US" dirty="0" err="1" smtClean="0"/>
               <a:t>Explicar</a:t>
             </a:r>
             <a:r>
               <a:rPr lang="en-US" dirty="0" smtClean="0"/>
-              <a:t> la</a:t>
+              <a:t> </a:t>
+            </a:r>
+            <a:r>
+              <a:rPr lang="en-US" dirty="0" smtClean="0"/>
+              <a:t>la</a:t>
             </a:r>
             <a:r>
               <a:rPr lang="en-US" baseline="0" dirty="0" smtClean="0"/>
@@ -23128,11 +23170,7 @@
           <a:p>
             <a:r>
               <a:rPr lang="en-US" sz="1800" dirty="0" smtClean="0"/>
-              <a:t>Repo </a:t>
-            </a:r>
-            <a:r>
-              <a:rPr lang="en-US" sz="1800" dirty="0" smtClean="0"/>
-              <a:t>de la </a:t>
+              <a:t>Repo de la </a:t>
             </a:r>
             <a:r>
               <a:rPr lang="en-US" sz="1800" dirty="0" err="1" smtClean="0"/>
@@ -23251,15 +23289,6 @@
               </a:rPr>
               <a:t>Eventos</a:t>
             </a:r>
-            <a:endParaRPr lang="es-AR" sz="1800" i="0" u="none" strike="noStrike" cap="none" baseline="0" dirty="0" smtClean="0">
-              <a:solidFill>
-                <a:schemeClr val="dk1"/>
-              </a:solidFill>
-              <a:latin typeface="Arial"/>
-              <a:ea typeface="Arial"/>
-              <a:cs typeface="Arial"/>
-              <a:sym typeface="Arial"/>
-            </a:endParaRPr>
           </a:p>
           <a:p>
             <a:r>
